--- a/图形.pptx
+++ b/图形.pptx
@@ -5,11 +5,12 @@
     <p:sldMasterId id="2147483648" r:id="rId1"/>
   </p:sldMasterIdLst>
   <p:notesMasterIdLst>
-    <p:notesMasterId r:id="rId4"/>
+    <p:notesMasterId r:id="rId5"/>
   </p:notesMasterIdLst>
   <p:sldIdLst>
     <p:sldId id="256" r:id="rId2"/>
     <p:sldId id="257" r:id="rId3"/>
+    <p:sldId id="258" r:id="rId4"/>
   </p:sldIdLst>
   <p:sldSz cx="9144000" cy="6858000" type="screen4x3"/>
   <p:notesSz cx="6858000" cy="9144000"/>
@@ -193,7 +194,7 @@
           <a:p>
             <a:fld id="{E6EE15C8-9587-4408-9414-80BB6E25D5F2}" type="datetimeFigureOut">
               <a:rPr lang="zh-CN" altLang="en-US" smtClean="0"/>
-              <a:t>2020/7/17</a:t>
+              <a:t>2020/7/22</a:t>
             </a:fld>
             <a:endParaRPr lang="zh-CN" altLang="en-US"/>
           </a:p>
@@ -810,7 +811,7 @@
           <a:p>
             <a:fld id="{530820CF-B880-4189-942D-D702A7CBA730}" type="datetimeFigureOut">
               <a:rPr lang="zh-CN" altLang="en-US" smtClean="0"/>
-              <a:t>2020/7/17</a:t>
+              <a:t>2020/7/22</a:t>
             </a:fld>
             <a:endParaRPr lang="zh-CN" altLang="en-US"/>
           </a:p>
@@ -975,7 +976,7 @@
           <a:p>
             <a:fld id="{530820CF-B880-4189-942D-D702A7CBA730}" type="datetimeFigureOut">
               <a:rPr lang="zh-CN" altLang="en-US" smtClean="0"/>
-              <a:t>2020/7/17</a:t>
+              <a:t>2020/7/22</a:t>
             </a:fld>
             <a:endParaRPr lang="zh-CN" altLang="en-US"/>
           </a:p>
@@ -1150,7 +1151,7 @@
           <a:p>
             <a:fld id="{530820CF-B880-4189-942D-D702A7CBA730}" type="datetimeFigureOut">
               <a:rPr lang="zh-CN" altLang="en-US" smtClean="0"/>
-              <a:t>2020/7/17</a:t>
+              <a:t>2020/7/22</a:t>
             </a:fld>
             <a:endParaRPr lang="zh-CN" altLang="en-US"/>
           </a:p>
@@ -1315,7 +1316,7 @@
           <a:p>
             <a:fld id="{530820CF-B880-4189-942D-D702A7CBA730}" type="datetimeFigureOut">
               <a:rPr lang="zh-CN" altLang="en-US" smtClean="0"/>
-              <a:t>2020/7/17</a:t>
+              <a:t>2020/7/22</a:t>
             </a:fld>
             <a:endParaRPr lang="zh-CN" altLang="en-US"/>
           </a:p>
@@ -1556,7 +1557,7 @@
           <a:p>
             <a:fld id="{530820CF-B880-4189-942D-D702A7CBA730}" type="datetimeFigureOut">
               <a:rPr lang="zh-CN" altLang="en-US" smtClean="0"/>
-              <a:t>2020/7/17</a:t>
+              <a:t>2020/7/22</a:t>
             </a:fld>
             <a:endParaRPr lang="zh-CN" altLang="en-US"/>
           </a:p>
@@ -1839,7 +1840,7 @@
           <a:p>
             <a:fld id="{530820CF-B880-4189-942D-D702A7CBA730}" type="datetimeFigureOut">
               <a:rPr lang="zh-CN" altLang="en-US" smtClean="0"/>
-              <a:t>2020/7/17</a:t>
+              <a:t>2020/7/22</a:t>
             </a:fld>
             <a:endParaRPr lang="zh-CN" altLang="en-US"/>
           </a:p>
@@ -2256,7 +2257,7 @@
           <a:p>
             <a:fld id="{530820CF-B880-4189-942D-D702A7CBA730}" type="datetimeFigureOut">
               <a:rPr lang="zh-CN" altLang="en-US" smtClean="0"/>
-              <a:t>2020/7/17</a:t>
+              <a:t>2020/7/22</a:t>
             </a:fld>
             <a:endParaRPr lang="zh-CN" altLang="en-US"/>
           </a:p>
@@ -2369,7 +2370,7 @@
           <a:p>
             <a:fld id="{530820CF-B880-4189-942D-D702A7CBA730}" type="datetimeFigureOut">
               <a:rPr lang="zh-CN" altLang="en-US" smtClean="0"/>
-              <a:t>2020/7/17</a:t>
+              <a:t>2020/7/22</a:t>
             </a:fld>
             <a:endParaRPr lang="zh-CN" altLang="en-US"/>
           </a:p>
@@ -2459,7 +2460,7 @@
           <a:p>
             <a:fld id="{530820CF-B880-4189-942D-D702A7CBA730}" type="datetimeFigureOut">
               <a:rPr lang="zh-CN" altLang="en-US" smtClean="0"/>
-              <a:t>2020/7/17</a:t>
+              <a:t>2020/7/22</a:t>
             </a:fld>
             <a:endParaRPr lang="zh-CN" altLang="en-US"/>
           </a:p>
@@ -2731,7 +2732,7 @@
           <a:p>
             <a:fld id="{530820CF-B880-4189-942D-D702A7CBA730}" type="datetimeFigureOut">
               <a:rPr lang="zh-CN" altLang="en-US" smtClean="0"/>
-              <a:t>2020/7/17</a:t>
+              <a:t>2020/7/22</a:t>
             </a:fld>
             <a:endParaRPr lang="zh-CN" altLang="en-US"/>
           </a:p>
@@ -2979,7 +2980,7 @@
           <a:p>
             <a:fld id="{530820CF-B880-4189-942D-D702A7CBA730}" type="datetimeFigureOut">
               <a:rPr lang="zh-CN" altLang="en-US" smtClean="0"/>
-              <a:t>2020/7/17</a:t>
+              <a:t>2020/7/22</a:t>
             </a:fld>
             <a:endParaRPr lang="zh-CN" altLang="en-US"/>
           </a:p>
@@ -3187,7 +3188,7 @@
           <a:p>
             <a:fld id="{530820CF-B880-4189-942D-D702A7CBA730}" type="datetimeFigureOut">
               <a:rPr lang="zh-CN" altLang="en-US" smtClean="0"/>
-              <a:t>2020/7/17</a:t>
+              <a:t>2020/7/22</a:t>
             </a:fld>
             <a:endParaRPr lang="zh-CN" altLang="en-US"/>
           </a:p>
@@ -4239,6 +4240,54 @@
           <a:chExt cx="0" cy="0"/>
         </a:xfrm>
       </p:grpSpPr>
+      <p:sp>
+        <p:nvSpPr>
+          <p:cNvPr id="21" name="椭圆 20"/>
+          <p:cNvSpPr/>
+          <p:nvPr/>
+        </p:nvSpPr>
+        <p:spPr>
+          <a:xfrm>
+            <a:off x="6300192" y="1556792"/>
+            <a:ext cx="1080120" cy="1080120"/>
+          </a:xfrm>
+          <a:prstGeom prst="ellipse">
+            <a:avLst/>
+          </a:prstGeom>
+          <a:solidFill>
+            <a:schemeClr val="bg1"/>
+          </a:solidFill>
+          <a:ln>
+            <a:solidFill>
+              <a:schemeClr val="bg1"/>
+            </a:solidFill>
+          </a:ln>
+        </p:spPr>
+        <p:style>
+          <a:lnRef idx="2">
+            <a:schemeClr val="accent1">
+              <a:shade val="50000"/>
+            </a:schemeClr>
+          </a:lnRef>
+          <a:fillRef idx="1">
+            <a:schemeClr val="accent1"/>
+          </a:fillRef>
+          <a:effectRef idx="0">
+            <a:schemeClr val="accent1"/>
+          </a:effectRef>
+          <a:fontRef idx="minor">
+            <a:schemeClr val="lt1"/>
+          </a:fontRef>
+        </p:style>
+        <p:txBody>
+          <a:bodyPr rtlCol="0" anchor="ctr"/>
+          <a:lstStyle/>
+          <a:p>
+            <a:pPr algn="ctr"/>
+            <a:endParaRPr lang="zh-CN" altLang="en-US"/>
+          </a:p>
+        </p:txBody>
+      </p:sp>
       <p:grpSp>
         <p:nvGrpSpPr>
           <p:cNvPr id="8" name="组合 7"/>
@@ -4247,7 +4296,7 @@
         </p:nvGrpSpPr>
         <p:grpSpPr>
           <a:xfrm>
-            <a:off x="4564367" y="2888940"/>
+            <a:off x="11124728" y="3429000"/>
             <a:ext cx="648072" cy="864096"/>
             <a:chOff x="4824028" y="3212976"/>
             <a:chExt cx="648072" cy="864096"/>
@@ -4398,60 +4447,518 @@
           </p:txBody>
         </p:sp>
       </p:grpSp>
-      <p:sp>
-        <p:nvSpPr>
-          <p:cNvPr id="2" name="椭圆 1"/>
-          <p:cNvSpPr/>
+      <p:grpSp>
+        <p:nvGrpSpPr>
+          <p:cNvPr id="7" name="组合 6"/>
+          <p:cNvGrpSpPr/>
           <p:nvPr/>
-        </p:nvSpPr>
-        <p:spPr>
+        </p:nvGrpSpPr>
+        <p:grpSpPr>
           <a:xfrm>
-            <a:off x="3736275" y="2384884"/>
-            <a:ext cx="2304256" cy="2304256"/>
+            <a:off x="6588224" y="1655803"/>
+            <a:ext cx="432048" cy="810090"/>
+            <a:chOff x="6588224" y="1655803"/>
+            <a:chExt cx="432048" cy="810090"/>
           </a:xfrm>
-          <a:prstGeom prst="ellipse">
+        </p:grpSpPr>
+        <p:grpSp>
+          <p:nvGrpSpPr>
+            <p:cNvPr id="4" name="组合 3"/>
+            <p:cNvGrpSpPr/>
+            <p:nvPr/>
+          </p:nvGrpSpPr>
+          <p:grpSpPr>
+            <a:xfrm>
+              <a:off x="6588224" y="1655803"/>
+              <a:ext cx="432048" cy="810090"/>
+              <a:chOff x="4427984" y="3900775"/>
+              <a:chExt cx="432048" cy="810090"/>
+            </a:xfrm>
+          </p:grpSpPr>
+          <p:sp>
+            <p:nvSpPr>
+              <p:cNvPr id="3" name="椭圆 2"/>
+              <p:cNvSpPr/>
+              <p:nvPr/>
+            </p:nvSpPr>
+            <p:spPr>
+              <a:xfrm>
+                <a:off x="4507821" y="3900775"/>
+                <a:ext cx="288032" cy="648072"/>
+              </a:xfrm>
+              <a:prstGeom prst="ellipse">
+                <a:avLst/>
+              </a:prstGeom>
+              <a:solidFill>
+                <a:schemeClr val="tx1">
+                  <a:lumMod val="65000"/>
+                  <a:lumOff val="35000"/>
+                </a:schemeClr>
+              </a:solidFill>
+              <a:ln>
+                <a:solidFill>
+                  <a:schemeClr val="bg1"/>
+                </a:solidFill>
+              </a:ln>
+            </p:spPr>
+            <p:style>
+              <a:lnRef idx="2">
+                <a:schemeClr val="accent1">
+                  <a:shade val="50000"/>
+                </a:schemeClr>
+              </a:lnRef>
+              <a:fillRef idx="1">
+                <a:schemeClr val="accent1"/>
+              </a:fillRef>
+              <a:effectRef idx="0">
+                <a:schemeClr val="accent1"/>
+              </a:effectRef>
+              <a:fontRef idx="minor">
+                <a:schemeClr val="lt1"/>
+              </a:fontRef>
+            </p:style>
+            <p:txBody>
+              <a:bodyPr rtlCol="0" anchor="ctr"/>
+              <a:lstStyle/>
+              <a:p>
+                <a:pPr algn="ctr"/>
+                <a:endParaRPr lang="zh-CN" altLang="en-US" dirty="0"/>
+              </a:p>
+            </p:txBody>
+          </p:sp>
+          <p:sp>
+            <p:nvSpPr>
+              <p:cNvPr id="2" name="椭圆 1"/>
+              <p:cNvSpPr/>
+              <p:nvPr/>
+            </p:nvSpPr>
+            <p:spPr>
+              <a:xfrm flipH="1">
+                <a:off x="4427984" y="4440835"/>
+                <a:ext cx="432048" cy="108012"/>
+              </a:xfrm>
+              <a:prstGeom prst="ellipse">
+                <a:avLst/>
+              </a:prstGeom>
+              <a:solidFill>
+                <a:schemeClr val="bg1">
+                  <a:alpha val="30000"/>
+                </a:schemeClr>
+              </a:solidFill>
+              <a:ln>
+                <a:solidFill>
+                  <a:srgbClr val="FFFF00"/>
+                </a:solidFill>
+              </a:ln>
+            </p:spPr>
+            <p:style>
+              <a:lnRef idx="2">
+                <a:schemeClr val="accent1">
+                  <a:shade val="50000"/>
+                </a:schemeClr>
+              </a:lnRef>
+              <a:fillRef idx="1">
+                <a:schemeClr val="accent1"/>
+              </a:fillRef>
+              <a:effectRef idx="0">
+                <a:schemeClr val="accent1"/>
+              </a:effectRef>
+              <a:fontRef idx="minor">
+                <a:schemeClr val="lt1"/>
+              </a:fontRef>
+            </p:style>
+            <p:txBody>
+              <a:bodyPr rtlCol="0" anchor="ctr"/>
+              <a:lstStyle/>
+              <a:p>
+                <a:pPr algn="ctr"/>
+                <a:endParaRPr lang="zh-CN" altLang="en-US"/>
+              </a:p>
+            </p:txBody>
+          </p:sp>
+          <p:sp>
+            <p:nvSpPr>
+              <p:cNvPr id="12" name="等腰三角形 11"/>
+              <p:cNvSpPr/>
+              <p:nvPr/>
+            </p:nvSpPr>
+            <p:spPr>
+              <a:xfrm flipV="1">
+                <a:off x="4509720" y="4494841"/>
+                <a:ext cx="108012" cy="216024"/>
+              </a:xfrm>
+              <a:prstGeom prst="triangle">
+                <a:avLst/>
+              </a:prstGeom>
+              <a:solidFill>
+                <a:srgbClr val="FF0000"/>
+              </a:solidFill>
+              <a:ln>
+                <a:solidFill>
+                  <a:schemeClr val="bg1"/>
+                </a:solidFill>
+              </a:ln>
+            </p:spPr>
+            <p:style>
+              <a:lnRef idx="2">
+                <a:schemeClr val="accent1">
+                  <a:shade val="50000"/>
+                </a:schemeClr>
+              </a:lnRef>
+              <a:fillRef idx="1">
+                <a:schemeClr val="accent1"/>
+              </a:fillRef>
+              <a:effectRef idx="0">
+                <a:schemeClr val="accent1"/>
+              </a:effectRef>
+              <a:fontRef idx="minor">
+                <a:schemeClr val="lt1"/>
+              </a:fontRef>
+            </p:style>
+            <p:txBody>
+              <a:bodyPr rtlCol="0" anchor="ctr"/>
+              <a:lstStyle/>
+              <a:p>
+                <a:pPr algn="ctr"/>
+                <a:endParaRPr lang="zh-CN" altLang="en-US">
+                  <a:solidFill>
+                    <a:srgbClr val="FF0000"/>
+                  </a:solidFill>
+                </a:endParaRPr>
+              </a:p>
+            </p:txBody>
+          </p:sp>
+          <p:sp>
+            <p:nvSpPr>
+              <p:cNvPr id="13" name="等腰三角形 12"/>
+              <p:cNvSpPr/>
+              <p:nvPr/>
+            </p:nvSpPr>
+            <p:spPr>
+              <a:xfrm flipV="1">
+                <a:off x="4687841" y="4494841"/>
+                <a:ext cx="108012" cy="216024"/>
+              </a:xfrm>
+              <a:prstGeom prst="triangle">
+                <a:avLst/>
+              </a:prstGeom>
+              <a:solidFill>
+                <a:srgbClr val="FF0000"/>
+              </a:solidFill>
+              <a:ln>
+                <a:solidFill>
+                  <a:schemeClr val="bg1"/>
+                </a:solidFill>
+              </a:ln>
+            </p:spPr>
+            <p:style>
+              <a:lnRef idx="2">
+                <a:schemeClr val="accent1">
+                  <a:shade val="50000"/>
+                </a:schemeClr>
+              </a:lnRef>
+              <a:fillRef idx="1">
+                <a:schemeClr val="accent1"/>
+              </a:fillRef>
+              <a:effectRef idx="0">
+                <a:schemeClr val="accent1"/>
+              </a:effectRef>
+              <a:fontRef idx="minor">
+                <a:schemeClr val="lt1"/>
+              </a:fontRef>
+            </p:style>
+            <p:txBody>
+              <a:bodyPr rtlCol="0" anchor="ctr"/>
+              <a:lstStyle/>
+              <a:p>
+                <a:pPr algn="ctr"/>
+                <a:endParaRPr lang="zh-CN" altLang="en-US">
+                  <a:solidFill>
+                    <a:srgbClr val="FF0000"/>
+                  </a:solidFill>
+                </a:endParaRPr>
+              </a:p>
+            </p:txBody>
+          </p:sp>
+        </p:grpSp>
+        <p:sp>
+          <p:nvSpPr>
+            <p:cNvPr id="6" name="TextBox 5"/>
+            <p:cNvSpPr txBox="1"/>
+            <p:nvPr/>
+          </p:nvSpPr>
+          <p:spPr>
+            <a:xfrm>
+              <a:off x="6657227" y="1795173"/>
+              <a:ext cx="309700" cy="369332"/>
+            </a:xfrm>
+            <a:prstGeom prst="rect">
+              <a:avLst/>
+            </a:prstGeom>
+            <a:noFill/>
+          </p:spPr>
+          <p:txBody>
+            <a:bodyPr wrap="none" rtlCol="0">
+              <a:spAutoFit/>
+            </a:bodyPr>
+            <a:lstStyle/>
+            <a:p>
+              <a:r>
+                <a:rPr lang="en-US" altLang="zh-CN" dirty="0" smtClean="0">
+                  <a:solidFill>
+                    <a:schemeClr val="bg1"/>
+                  </a:solidFill>
+                </a:rPr>
+                <a:t>B</a:t>
+              </a:r>
+              <a:endParaRPr lang="zh-CN" altLang="en-US" dirty="0">
+                <a:solidFill>
+                  <a:schemeClr val="bg1"/>
+                </a:solidFill>
+              </a:endParaRPr>
+            </a:p>
+          </p:txBody>
+        </p:sp>
+      </p:grpSp>
+      <p:pic>
+        <p:nvPicPr>
+          <p:cNvPr id="1026" name="Picture 2" descr="F:\程序猿的自我修养\python代码\项目\项目四：游戏开发-飞机大战\image\主角飞机.png"/>
+          <p:cNvPicPr>
+            <a:picLocks noChangeAspect="1" noChangeArrowheads="1"/>
+          </p:cNvPicPr>
+          <p:nvPr/>
+        </p:nvPicPr>
+        <p:blipFill>
+          <a:blip r:embed="rId3">
+            <a:extLst>
+              <a:ext uri="{28A0092B-C50C-407E-A947-70E740481C1C}">
+                <a14:useLocalDpi xmlns:a14="http://schemas.microsoft.com/office/drawing/2010/main" val="0"/>
+              </a:ext>
+            </a:extLst>
+          </a:blip>
+          <a:srcRect/>
+          <a:stretch>
+            <a:fillRect/>
+          </a:stretch>
+        </p:blipFill>
+        <p:spPr bwMode="auto">
+          <a:xfrm>
+            <a:off x="5653088" y="1763713"/>
+            <a:ext cx="190500" cy="247650"/>
+          </a:xfrm>
+          <a:prstGeom prst="rect">
             <a:avLst/>
           </a:prstGeom>
-          <a:solidFill>
-            <a:schemeClr val="bg1">
-              <a:alpha val="30000"/>
-            </a:schemeClr>
-          </a:solidFill>
-          <a:ln>
+          <a:noFill/>
+          <a:extLst>
+            <a:ext uri="{909E8E84-426E-40DD-AFC4-6F175D3DCCD1}">
+              <a14:hiddenFill xmlns:a14="http://schemas.microsoft.com/office/drawing/2010/main">
+                <a:solidFill>
+                  <a:srgbClr val="FFFFFF"/>
+                </a:solidFill>
+              </a14:hiddenFill>
+            </a:ext>
+          </a:extLst>
+        </p:spPr>
+      </p:pic>
+      <p:grpSp>
+        <p:nvGrpSpPr>
+          <p:cNvPr id="18" name="组合 17"/>
+          <p:cNvGrpSpPr/>
+          <p:nvPr/>
+        </p:nvGrpSpPr>
+        <p:grpSpPr>
+          <a:xfrm>
+            <a:off x="5184068" y="1795173"/>
+            <a:ext cx="286308" cy="265675"/>
+            <a:chOff x="5184068" y="1795173"/>
+            <a:chExt cx="286308" cy="265675"/>
+          </a:xfrm>
+        </p:grpSpPr>
+        <p:sp>
+          <p:nvSpPr>
+            <p:cNvPr id="17" name="等腰三角形 16"/>
+            <p:cNvSpPr/>
+            <p:nvPr/>
+          </p:nvSpPr>
+          <p:spPr>
+            <a:xfrm>
+              <a:off x="5220072" y="1795173"/>
+              <a:ext cx="216024" cy="265675"/>
+            </a:xfrm>
+            <a:prstGeom prst="triangle">
+              <a:avLst/>
+            </a:prstGeom>
+            <a:ln>
+              <a:solidFill>
+                <a:schemeClr val="bg1"/>
+              </a:solidFill>
+            </a:ln>
+          </p:spPr>
+          <p:style>
+            <a:lnRef idx="2">
+              <a:schemeClr val="accent1">
+                <a:shade val="50000"/>
+              </a:schemeClr>
+            </a:lnRef>
+            <a:fillRef idx="1">
+              <a:schemeClr val="accent1"/>
+            </a:fillRef>
+            <a:effectRef idx="0">
+              <a:schemeClr val="accent1"/>
+            </a:effectRef>
+            <a:fontRef idx="minor">
+              <a:schemeClr val="lt1"/>
+            </a:fontRef>
+          </p:style>
+          <p:txBody>
+            <a:bodyPr rtlCol="0" anchor="ctr"/>
+            <a:lstStyle/>
+            <a:p>
+              <a:pPr algn="ctr"/>
+              <a:endParaRPr lang="zh-CN" altLang="en-US"/>
+            </a:p>
+          </p:txBody>
+        </p:sp>
+        <p:sp>
+          <p:nvSpPr>
+            <p:cNvPr id="19" name="等腰三角形 18"/>
+            <p:cNvSpPr/>
+            <p:nvPr/>
+          </p:nvSpPr>
+          <p:spPr>
+            <a:xfrm>
+              <a:off x="5184068" y="1916832"/>
+              <a:ext cx="108012" cy="144008"/>
+            </a:xfrm>
+            <a:prstGeom prst="triangle">
+              <a:avLst/>
+            </a:prstGeom>
             <a:solidFill>
-              <a:srgbClr val="FFFF00"/>
+              <a:srgbClr val="FF0000"/>
             </a:solidFill>
-          </a:ln>
-        </p:spPr>
-        <p:style>
-          <a:lnRef idx="2">
-            <a:schemeClr val="accent1">
-              <a:shade val="50000"/>
-            </a:schemeClr>
-          </a:lnRef>
-          <a:fillRef idx="1">
-            <a:schemeClr val="accent1"/>
-          </a:fillRef>
-          <a:effectRef idx="0">
-            <a:schemeClr val="accent1"/>
-          </a:effectRef>
-          <a:fontRef idx="minor">
-            <a:schemeClr val="lt1"/>
-          </a:fontRef>
-        </p:style>
-        <p:txBody>
-          <a:bodyPr rtlCol="0" anchor="ctr"/>
-          <a:lstStyle/>
-          <a:p>
-            <a:pPr algn="ctr"/>
-            <a:endParaRPr lang="zh-CN" altLang="en-US"/>
-          </a:p>
-        </p:txBody>
-      </p:sp>
+            <a:ln>
+              <a:solidFill>
+                <a:schemeClr val="bg1"/>
+              </a:solidFill>
+            </a:ln>
+          </p:spPr>
+          <p:style>
+            <a:lnRef idx="2">
+              <a:schemeClr val="accent1">
+                <a:shade val="50000"/>
+              </a:schemeClr>
+            </a:lnRef>
+            <a:fillRef idx="1">
+              <a:schemeClr val="accent1"/>
+            </a:fillRef>
+            <a:effectRef idx="0">
+              <a:schemeClr val="accent1"/>
+            </a:effectRef>
+            <a:fontRef idx="minor">
+              <a:schemeClr val="lt1"/>
+            </a:fontRef>
+          </p:style>
+          <p:txBody>
+            <a:bodyPr rtlCol="0" anchor="ctr"/>
+            <a:lstStyle/>
+            <a:p>
+              <a:pPr algn="ctr"/>
+              <a:endParaRPr lang="zh-CN" altLang="en-US">
+                <a:solidFill>
+                  <a:srgbClr val="FF0000"/>
+                </a:solidFill>
+              </a:endParaRPr>
+            </a:p>
+          </p:txBody>
+        </p:sp>
+        <p:sp>
+          <p:nvSpPr>
+            <p:cNvPr id="20" name="等腰三角形 19"/>
+            <p:cNvSpPr/>
+            <p:nvPr/>
+          </p:nvSpPr>
+          <p:spPr>
+            <a:xfrm>
+              <a:off x="5362364" y="1916832"/>
+              <a:ext cx="108012" cy="144008"/>
+            </a:xfrm>
+            <a:prstGeom prst="triangle">
+              <a:avLst/>
+            </a:prstGeom>
+            <a:solidFill>
+              <a:srgbClr val="FF0000"/>
+            </a:solidFill>
+            <a:ln>
+              <a:solidFill>
+                <a:schemeClr val="bg1"/>
+              </a:solidFill>
+            </a:ln>
+          </p:spPr>
+          <p:style>
+            <a:lnRef idx="2">
+              <a:schemeClr val="accent1">
+                <a:shade val="50000"/>
+              </a:schemeClr>
+            </a:lnRef>
+            <a:fillRef idx="1">
+              <a:schemeClr val="accent1"/>
+            </a:fillRef>
+            <a:effectRef idx="0">
+              <a:schemeClr val="accent1"/>
+            </a:effectRef>
+            <a:fontRef idx="minor">
+              <a:schemeClr val="lt1"/>
+            </a:fontRef>
+          </p:style>
+          <p:txBody>
+            <a:bodyPr rtlCol="0" anchor="ctr"/>
+            <a:lstStyle/>
+            <a:p>
+              <a:pPr algn="ctr"/>
+              <a:endParaRPr lang="zh-CN" altLang="en-US">
+                <a:solidFill>
+                  <a:srgbClr val="FF0000"/>
+                </a:solidFill>
+              </a:endParaRPr>
+            </a:p>
+          </p:txBody>
+        </p:sp>
+      </p:grpSp>
     </p:spTree>
     <p:extLst>
       <p:ext uri="{BB962C8B-B14F-4D97-AF65-F5344CB8AC3E}">
         <p14:creationId xmlns:p14="http://schemas.microsoft.com/office/powerpoint/2010/main" val="2803267162"/>
+      </p:ext>
+    </p:extLst>
+  </p:cSld>
+  <p:clrMapOvr>
+    <a:masterClrMapping/>
+  </p:clrMapOvr>
+</p:sld>
+</file>
+
+<file path=ppt/slides/slide3.xml><?xml version="1.0" encoding="utf-8"?>
+<p:sld xmlns:a="http://schemas.openxmlformats.org/drawingml/2006/main" xmlns:r="http://schemas.openxmlformats.org/officeDocument/2006/relationships" xmlns:p="http://schemas.openxmlformats.org/presentationml/2006/main">
+  <p:cSld>
+    <p:spTree>
+      <p:nvGrpSpPr>
+        <p:cNvPr id="1" name=""/>
+        <p:cNvGrpSpPr/>
+        <p:nvPr/>
+      </p:nvGrpSpPr>
+      <p:grpSpPr>
+        <a:xfrm>
+          <a:off x="0" y="0"/>
+          <a:ext cx="0" cy="0"/>
+          <a:chOff x="0" y="0"/>
+          <a:chExt cx="0" cy="0"/>
+        </a:xfrm>
+      </p:grpSpPr>
+    </p:spTree>
+    <p:extLst>
+      <p:ext uri="{BB962C8B-B14F-4D97-AF65-F5344CB8AC3E}">
+        <p14:creationId xmlns:p14="http://schemas.microsoft.com/office/powerpoint/2010/main" val="3830743268"/>
       </p:ext>
     </p:extLst>
   </p:cSld>
